--- a/Documents/QA Hobby Project Presentation.pptx
+++ b/Documents/QA Hobby Project Presentation.pptx
@@ -15,6 +15,8 @@
     <p:sldId id="260" r:id="rId10"/>
     <p:sldId id="261" r:id="rId11"/>
     <p:sldId id="262" r:id="rId12"/>
+    <p:sldId id="263" r:id="rId13"/>
+    <p:sldId id="264" r:id="rId14"/>
   </p:sldIdLst>
   <p:sldSz cy="5143500" cx="9144000"/>
   <p:notesSz cx="6858000" cy="9144000"/>
@@ -909,7 +911,7 @@
       </p:grpSpPr>
       <p:sp>
         <p:nvSpPr>
-          <p:cNvPr id="63" name="Google Shape;63;g13fac1cfed4_0_61:notes"/>
+          <p:cNvPr id="63" name="Google Shape;63;g13fac1cfed4_0_80:notes"/>
           <p:cNvSpPr/>
           <p:nvPr>
             <p:ph idx="2" type="sldImg"/>
@@ -944,7 +946,7 @@
       </p:sp>
       <p:sp>
         <p:nvSpPr>
-          <p:cNvPr id="64" name="Google Shape;64;g13fac1cfed4_0_61:notes"/>
+          <p:cNvPr id="64" name="Google Shape;64;g13fac1cfed4_0_80:notes"/>
           <p:cNvSpPr txBox="1"/>
           <p:nvPr>
             <p:ph idx="1" type="body"/>
@@ -1008,7 +1010,7 @@
       </p:grpSpPr>
       <p:sp>
         <p:nvSpPr>
-          <p:cNvPr id="69" name="Google Shape;69;g13fac1cfed4_0_51:notes"/>
+          <p:cNvPr id="69" name="Google Shape;69;g13fac1cfed4_0_85:notes"/>
           <p:cNvSpPr/>
           <p:nvPr>
             <p:ph idx="2" type="sldImg"/>
@@ -1043,7 +1045,7 @@
       </p:sp>
       <p:sp>
         <p:nvSpPr>
-          <p:cNvPr id="70" name="Google Shape;70;g13fac1cfed4_0_51:notes"/>
+          <p:cNvPr id="70" name="Google Shape;70;g13fac1cfed4_0_85:notes"/>
           <p:cNvSpPr txBox="1"/>
           <p:nvPr>
             <p:ph idx="1" type="body"/>
@@ -1107,7 +1109,7 @@
       </p:grpSpPr>
       <p:sp>
         <p:nvSpPr>
-          <p:cNvPr id="75" name="Google Shape;75;g13fac1cfed4_0_56:notes"/>
+          <p:cNvPr id="75" name="Google Shape;75;g13fac1cfed4_0_51:notes"/>
           <p:cNvSpPr/>
           <p:nvPr>
             <p:ph idx="2" type="sldImg"/>
@@ -1142,7 +1144,7 @@
       </p:sp>
       <p:sp>
         <p:nvSpPr>
-          <p:cNvPr id="76" name="Google Shape;76;g13fac1cfed4_0_56:notes"/>
+          <p:cNvPr id="76" name="Google Shape;76;g13fac1cfed4_0_51:notes"/>
           <p:cNvSpPr txBox="1"/>
           <p:nvPr>
             <p:ph idx="1" type="body"/>
@@ -1206,7 +1208,7 @@
       </p:grpSpPr>
       <p:sp>
         <p:nvSpPr>
-          <p:cNvPr id="81" name="Google Shape;81;g13fac1cfed4_0_67:notes"/>
+          <p:cNvPr id="81" name="Google Shape;81;g13fac1cfed4_0_56:notes"/>
           <p:cNvSpPr/>
           <p:nvPr>
             <p:ph idx="2" type="sldImg"/>
@@ -1241,7 +1243,7 @@
       </p:sp>
       <p:sp>
         <p:nvSpPr>
-          <p:cNvPr id="82" name="Google Shape;82;g13fac1cfed4_0_67:notes"/>
+          <p:cNvPr id="82" name="Google Shape;82;g13fac1cfed4_0_56:notes"/>
           <p:cNvSpPr txBox="1"/>
           <p:nvPr>
             <p:ph idx="1" type="body"/>
@@ -1291,7 +1293,7 @@
   <p:cSld>
     <p:spTree>
       <p:nvGrpSpPr>
-        <p:cNvPr id="88" name="Shape 88"/>
+        <p:cNvPr id="86" name="Shape 86"/>
         <p:cNvGrpSpPr/>
         <p:nvPr/>
       </p:nvGrpSpPr>
@@ -1305,7 +1307,7 @@
       </p:grpSpPr>
       <p:sp>
         <p:nvSpPr>
-          <p:cNvPr id="89" name="Google Shape;89;g13fac1cfed4_0_75:notes"/>
+          <p:cNvPr id="87" name="Google Shape;87;g13fac1cfed4_0_67:notes"/>
           <p:cNvSpPr/>
           <p:nvPr>
             <p:ph idx="2" type="sldImg"/>
@@ -1340,7 +1342,205 @@
       </p:sp>
       <p:sp>
         <p:nvSpPr>
-          <p:cNvPr id="90" name="Google Shape;90;g13fac1cfed4_0_75:notes"/>
+          <p:cNvPr id="88" name="Google Shape;88;g13fac1cfed4_0_67:notes"/>
+          <p:cNvSpPr txBox="1"/>
+          <p:nvPr>
+            <p:ph idx="1" type="body"/>
+          </p:nvPr>
+        </p:nvSpPr>
+        <p:spPr>
+          <a:xfrm>
+            <a:off x="685800" y="4343400"/>
+            <a:ext cx="5486400" cy="4114800"/>
+          </a:xfrm>
+          <a:prstGeom prst="rect">
+            <a:avLst/>
+          </a:prstGeom>
+        </p:spPr>
+        <p:txBody>
+          <a:bodyPr anchorCtr="0" anchor="t" bIns="91425" lIns="91425" spcFirstLastPara="1" rIns="91425" wrap="square" tIns="91425">
+            <a:noAutofit/>
+          </a:bodyPr>
+          <a:lstStyle/>
+          <a:p>
+            <a:pPr indent="0" lvl="0" marL="0" rtl="0" algn="l">
+              <a:spcBef>
+                <a:spcPts val="0"/>
+              </a:spcBef>
+              <a:spcAft>
+                <a:spcPts val="0"/>
+              </a:spcAft>
+              <a:buNone/>
+            </a:pPr>
+            <a:r>
+              <a:t/>
+            </a:r>
+            <a:endParaRPr/>
+          </a:p>
+        </p:txBody>
+      </p:sp>
+    </p:spTree>
+  </p:cSld>
+  <p:clrMapOvr>
+    <a:masterClrMapping/>
+  </p:clrMapOvr>
+</p:notes>
+</file>
+
+<file path=ppt/notesSlides/notesSlide8.xml><?xml version="1.0" encoding="utf-8"?>
+<p:notes xmlns:a="http://schemas.openxmlformats.org/drawingml/2006/main" xmlns:r="http://schemas.openxmlformats.org/officeDocument/2006/relationships" xmlns:mc="http://schemas.openxmlformats.org/markup-compatibility/2006" xmlns:mv="urn:schemas-microsoft-com:mac:vml" xmlns:p="http://schemas.openxmlformats.org/presentationml/2006/main" xmlns:c="http://schemas.openxmlformats.org/drawingml/2006/chart" xmlns:dgm="http://schemas.openxmlformats.org/drawingml/2006/diagram" xmlns:o="urn:schemas-microsoft-com:office:office" xmlns:v="urn:schemas-microsoft-com:vml" xmlns:pvml="urn:schemas-microsoft-com:office:powerpoint" xmlns:com="http://schemas.openxmlformats.org/drawingml/2006/compatibility" xmlns:p14="http://schemas.microsoft.com/office/powerpoint/2010/main" xmlns:p15="http://schemas.microsoft.com/office/powerpoint/2012/main" xmlns:ahyp="http://schemas.microsoft.com/office/drawing/2018/hyperlinkcolor" showMasterPhAnim="0" showMasterSp="0">
+  <p:cSld>
+    <p:spTree>
+      <p:nvGrpSpPr>
+        <p:cNvPr id="94" name="Shape 94"/>
+        <p:cNvGrpSpPr/>
+        <p:nvPr/>
+      </p:nvGrpSpPr>
+      <p:grpSpPr>
+        <a:xfrm>
+          <a:off x="0" y="0"/>
+          <a:ext cx="0" cy="0"/>
+          <a:chOff x="0" y="0"/>
+          <a:chExt cx="0" cy="0"/>
+        </a:xfrm>
+      </p:grpSpPr>
+      <p:sp>
+        <p:nvSpPr>
+          <p:cNvPr id="95" name="Google Shape;95;g13fac1cfed4_0_61:notes"/>
+          <p:cNvSpPr/>
+          <p:nvPr>
+            <p:ph idx="2" type="sldImg"/>
+          </p:nvPr>
+        </p:nvSpPr>
+        <p:spPr>
+          <a:xfrm>
+            <a:off x="381300" y="685800"/>
+            <a:ext cx="6096000" cy="3429000"/>
+          </a:xfrm>
+          <a:custGeom>
+            <a:rect b="b" l="l" r="r" t="t"/>
+            <a:pathLst>
+              <a:path extrusionOk="0" h="120000" w="120000">
+                <a:moveTo>
+                  <a:pt x="0" y="0"/>
+                </a:moveTo>
+                <a:lnTo>
+                  <a:pt x="120000" y="0"/>
+                </a:lnTo>
+                <a:lnTo>
+                  <a:pt x="120000" y="120000"/>
+                </a:lnTo>
+                <a:lnTo>
+                  <a:pt x="0" y="120000"/>
+                </a:lnTo>
+                <a:close/>
+              </a:path>
+            </a:pathLst>
+          </a:custGeom>
+        </p:spPr>
+      </p:sp>
+      <p:sp>
+        <p:nvSpPr>
+          <p:cNvPr id="96" name="Google Shape;96;g13fac1cfed4_0_61:notes"/>
+          <p:cNvSpPr txBox="1"/>
+          <p:nvPr>
+            <p:ph idx="1" type="body"/>
+          </p:nvPr>
+        </p:nvSpPr>
+        <p:spPr>
+          <a:xfrm>
+            <a:off x="685800" y="4343400"/>
+            <a:ext cx="5486400" cy="4114800"/>
+          </a:xfrm>
+          <a:prstGeom prst="rect">
+            <a:avLst/>
+          </a:prstGeom>
+        </p:spPr>
+        <p:txBody>
+          <a:bodyPr anchorCtr="0" anchor="t" bIns="91425" lIns="91425" spcFirstLastPara="1" rIns="91425" wrap="square" tIns="91425">
+            <a:noAutofit/>
+          </a:bodyPr>
+          <a:lstStyle/>
+          <a:p>
+            <a:pPr indent="0" lvl="0" marL="0" rtl="0" algn="l">
+              <a:spcBef>
+                <a:spcPts val="0"/>
+              </a:spcBef>
+              <a:spcAft>
+                <a:spcPts val="0"/>
+              </a:spcAft>
+              <a:buNone/>
+            </a:pPr>
+            <a:r>
+              <a:t/>
+            </a:r>
+            <a:endParaRPr/>
+          </a:p>
+        </p:txBody>
+      </p:sp>
+    </p:spTree>
+  </p:cSld>
+  <p:clrMapOvr>
+    <a:masterClrMapping/>
+  </p:clrMapOvr>
+</p:notes>
+</file>
+
+<file path=ppt/notesSlides/notesSlide9.xml><?xml version="1.0" encoding="utf-8"?>
+<p:notes xmlns:a="http://schemas.openxmlformats.org/drawingml/2006/main" xmlns:r="http://schemas.openxmlformats.org/officeDocument/2006/relationships" xmlns:mc="http://schemas.openxmlformats.org/markup-compatibility/2006" xmlns:mv="urn:schemas-microsoft-com:mac:vml" xmlns:p="http://schemas.openxmlformats.org/presentationml/2006/main" xmlns:c="http://schemas.openxmlformats.org/drawingml/2006/chart" xmlns:dgm="http://schemas.openxmlformats.org/drawingml/2006/diagram" xmlns:o="urn:schemas-microsoft-com:office:office" xmlns:v="urn:schemas-microsoft-com:vml" xmlns:pvml="urn:schemas-microsoft-com:office:powerpoint" xmlns:com="http://schemas.openxmlformats.org/drawingml/2006/compatibility" xmlns:p14="http://schemas.microsoft.com/office/powerpoint/2010/main" xmlns:p15="http://schemas.microsoft.com/office/powerpoint/2012/main" xmlns:ahyp="http://schemas.microsoft.com/office/drawing/2018/hyperlinkcolor" showMasterPhAnim="0" showMasterSp="0">
+  <p:cSld>
+    <p:spTree>
+      <p:nvGrpSpPr>
+        <p:cNvPr id="100" name="Shape 100"/>
+        <p:cNvGrpSpPr/>
+        <p:nvPr/>
+      </p:nvGrpSpPr>
+      <p:grpSpPr>
+        <a:xfrm>
+          <a:off x="0" y="0"/>
+          <a:ext cx="0" cy="0"/>
+          <a:chOff x="0" y="0"/>
+          <a:chExt cx="0" cy="0"/>
+        </a:xfrm>
+      </p:grpSpPr>
+      <p:sp>
+        <p:nvSpPr>
+          <p:cNvPr id="101" name="Google Shape;101;g13fac1cfed4_0_75:notes"/>
+          <p:cNvSpPr/>
+          <p:nvPr>
+            <p:ph idx="2" type="sldImg"/>
+          </p:nvPr>
+        </p:nvSpPr>
+        <p:spPr>
+          <a:xfrm>
+            <a:off x="381300" y="685800"/>
+            <a:ext cx="6096000" cy="3429000"/>
+          </a:xfrm>
+          <a:custGeom>
+            <a:rect b="b" l="l" r="r" t="t"/>
+            <a:pathLst>
+              <a:path extrusionOk="0" h="120000" w="120000">
+                <a:moveTo>
+                  <a:pt x="0" y="0"/>
+                </a:moveTo>
+                <a:lnTo>
+                  <a:pt x="120000" y="0"/>
+                </a:lnTo>
+                <a:lnTo>
+                  <a:pt x="120000" y="120000"/>
+                </a:lnTo>
+                <a:lnTo>
+                  <a:pt x="0" y="120000"/>
+                </a:lnTo>
+                <a:close/>
+              </a:path>
+            </a:pathLst>
+          </a:custGeom>
+        </p:spPr>
+      </p:sp>
+      <p:sp>
+        <p:nvSpPr>
+          <p:cNvPr id="102" name="Google Shape;102;g13fac1cfed4_0_75:notes"/>
           <p:cNvSpPr txBox="1"/>
           <p:nvPr>
             <p:ph idx="1" type="body"/>
@@ -6541,7 +6741,7 @@
             </a:pPr>
             <a:r>
               <a:rPr lang="en-GB"/>
-              <a:t>Documentation and Workflow management</a:t>
+              <a:t>Consultant Journey</a:t>
             </a:r>
             <a:endParaRPr/>
           </a:p>
@@ -6566,7 +6766,7 @@
         </p:spPr>
         <p:txBody>
           <a:bodyPr anchorCtr="0" anchor="t" bIns="91425" lIns="91425" spcFirstLastPara="1" rIns="91425" wrap="square" tIns="91425">
-            <a:normAutofit lnSpcReduction="20000"/>
+            <a:normAutofit/>
           </a:bodyPr>
           <a:lstStyle/>
           <a:p>
@@ -6581,75 +6781,7 @@
             </a:pPr>
             <a:r>
               <a:rPr lang="en-GB"/>
-              <a:t>Documents can be found that include </a:t>
-            </a:r>
-            <a:endParaRPr/>
-          </a:p>
-          <a:p>
-            <a:pPr indent="-342900" lvl="0" marL="457200" rtl="0" algn="l">
-              <a:spcBef>
-                <a:spcPts val="1200"/>
-              </a:spcBef>
-              <a:spcAft>
-                <a:spcPts val="0"/>
-              </a:spcAft>
-              <a:buSzPts val="1800"/>
-              <a:buChar char="●"/>
-            </a:pPr>
-            <a:r>
-              <a:rPr lang="en-GB"/>
-              <a:t>MoSCow</a:t>
-            </a:r>
-            <a:endParaRPr/>
-          </a:p>
-          <a:p>
-            <a:pPr indent="-342900" lvl="0" marL="457200" rtl="0" algn="l">
-              <a:spcBef>
-                <a:spcPts val="0"/>
-              </a:spcBef>
-              <a:spcAft>
-                <a:spcPts val="0"/>
-              </a:spcAft>
-              <a:buSzPts val="1800"/>
-              <a:buChar char="●"/>
-            </a:pPr>
-            <a:r>
-              <a:rPr lang="en-GB"/>
-              <a:t>Risk Assessment</a:t>
-            </a:r>
-            <a:endParaRPr/>
-          </a:p>
-          <a:p>
-            <a:pPr indent="-342900" lvl="0" marL="457200" rtl="0" algn="l">
-              <a:spcBef>
-                <a:spcPts val="0"/>
-              </a:spcBef>
-              <a:spcAft>
-                <a:spcPts val="0"/>
-              </a:spcAft>
-              <a:buSzPts val="1800"/>
-              <a:buChar char="●"/>
-            </a:pPr>
-            <a:r>
-              <a:rPr lang="en-GB"/>
-              <a:t>ERD</a:t>
-            </a:r>
-            <a:endParaRPr/>
-          </a:p>
-          <a:p>
-            <a:pPr indent="-342900" lvl="0" marL="457200" rtl="0" algn="l">
-              <a:spcBef>
-                <a:spcPts val="0"/>
-              </a:spcBef>
-              <a:spcAft>
-                <a:spcPts val="0"/>
-              </a:spcAft>
-              <a:buSzPts val="1800"/>
-              <a:buChar char="●"/>
-            </a:pPr>
-            <a:r>
-              <a:rPr lang="en-GB"/>
-              <a:t>UML</a:t>
+              <a:t>For this project I have learnt the additional technologies from the previous project:</a:t>
             </a:r>
             <a:endParaRPr/>
           </a:p>
@@ -6659,59 +6791,13 @@
                 <a:spcPts val="1200"/>
               </a:spcBef>
               <a:spcAft>
-                <a:spcPts val="0"/>
-              </a:spcAft>
-              <a:buNone/>
-            </a:pPr>
-            <a:r>
-              <a:t/>
-            </a:r>
-            <a:endParaRPr/>
-          </a:p>
-          <a:p>
-            <a:pPr indent="0" lvl="0" marL="0" rtl="0" algn="l">
-              <a:spcBef>
                 <a:spcPts val="1200"/>
-              </a:spcBef>
-              <a:spcAft>
-                <a:spcPts val="0"/>
               </a:spcAft>
               <a:buNone/>
             </a:pPr>
             <a:r>
               <a:rPr lang="en-GB"/>
-              <a:t>Jira Kanban board or User stories and workflow management.</a:t>
-            </a:r>
-            <a:endParaRPr/>
-          </a:p>
-          <a:p>
-            <a:pPr indent="0" lvl="0" marL="0" rtl="0" algn="l">
-              <a:spcBef>
-                <a:spcPts val="1200"/>
-              </a:spcBef>
-              <a:spcAft>
-                <a:spcPts val="0"/>
-              </a:spcAft>
-              <a:buNone/>
-            </a:pPr>
-            <a:r>
-              <a:rPr lang="en-GB"/>
-              <a:t>https://devinpatel.atlassian.net/jira/software/projects/QHP/boards/4</a:t>
-            </a:r>
-            <a:endParaRPr/>
-          </a:p>
-          <a:p>
-            <a:pPr indent="0" lvl="0" marL="0" rtl="0" algn="l">
-              <a:spcBef>
-                <a:spcPts val="1200"/>
-              </a:spcBef>
-              <a:spcAft>
-                <a:spcPts val="1200"/>
-              </a:spcAft>
-              <a:buNone/>
-            </a:pPr>
-            <a:r>
-              <a:t/>
+              <a:t>Spring, Axios, HTML, CSS, JavaScript (using VSCode), BootStrap.</a:t>
             </a:r>
             <a:endParaRPr/>
           </a:p>
@@ -6776,7 +6862,7 @@
             </a:pPr>
             <a:r>
               <a:rPr lang="en-GB"/>
-              <a:t>What was used?</a:t>
+              <a:t>CI</a:t>
             </a:r>
             <a:endParaRPr/>
           </a:p>
@@ -6810,61 +6896,21 @@
                 <a:spcPts val="0"/>
               </a:spcBef>
               <a:spcAft>
-                <a:spcPts val="0"/>
+                <a:spcPts val="1200"/>
               </a:spcAft>
               <a:buNone/>
             </a:pPr>
             <a:r>
               <a:rPr lang="en-GB"/>
-              <a:t>Java and Spring for backend and connecting to database</a:t>
+              <a:t>I have approached with the Dev-Feature branches, I have split my branches into functionality of backend, functionality of frontend, documentation, I have </a:t>
             </a:r>
-            <a:endParaRPr/>
-          </a:p>
-          <a:p>
-            <a:pPr indent="0" lvl="0" marL="0" rtl="0" algn="l">
-              <a:spcBef>
-                <a:spcPts val="1200"/>
-              </a:spcBef>
-              <a:spcAft>
-                <a:spcPts val="0"/>
-              </a:spcAft>
-              <a:buNone/>
-            </a:pPr>
             <a:r>
               <a:rPr lang="en-GB"/>
-              <a:t>SQL and H2 for databases for live and testing periods</a:t>
+              <a:t>additionally</a:t>
             </a:r>
-            <a:endParaRPr/>
-          </a:p>
-          <a:p>
-            <a:pPr indent="0" lvl="0" marL="0" rtl="0" algn="l">
-              <a:spcBef>
-                <a:spcPts val="1200"/>
-              </a:spcBef>
-              <a:spcAft>
-                <a:spcPts val="0"/>
-              </a:spcAft>
-              <a:buNone/>
-            </a:pPr>
             <a:r>
               <a:rPr lang="en-GB"/>
-              <a:t>HTML, JS, CSS (from an external library - BootStrap) for frontend, functionality, styling</a:t>
-            </a:r>
-            <a:endParaRPr/>
-          </a:p>
-          <a:p>
-            <a:pPr indent="0" lvl="0" marL="0" rtl="0" algn="l">
-              <a:spcBef>
-                <a:spcPts val="1200"/>
-              </a:spcBef>
-              <a:spcAft>
-                <a:spcPts val="1200"/>
-              </a:spcAft>
-              <a:buNone/>
-            </a:pPr>
-            <a:r>
-              <a:rPr lang="en-GB"/>
-              <a:t>JUnit for testing</a:t>
+              <a:t> created branches for testing that has not been completed and as a result is not merged back into the dev and main branch.</a:t>
             </a:r>
             <a:endParaRPr/>
           </a:p>
@@ -6929,7 +6975,7 @@
             </a:pPr>
             <a:r>
               <a:rPr lang="en-GB"/>
-              <a:t>Functionality</a:t>
+              <a:t>What was used?</a:t>
             </a:r>
             <a:endParaRPr/>
           </a:p>
@@ -6963,13 +7009,61 @@
                 <a:spcPts val="0"/>
               </a:spcBef>
               <a:spcAft>
-                <a:spcPts val="1200"/>
+                <a:spcPts val="0"/>
               </a:spcAft>
               <a:buNone/>
             </a:pPr>
             <a:r>
               <a:rPr lang="en-GB"/>
-              <a:t>I will now perform a quick demonstration of the code in action (can be found at: https://github.com/D-Pats/QA-Hobby-Project)</a:t>
+              <a:t>Java and Spring for backend and connecting to database</a:t>
+            </a:r>
+            <a:endParaRPr/>
+          </a:p>
+          <a:p>
+            <a:pPr indent="0" lvl="0" marL="0" rtl="0" algn="l">
+              <a:spcBef>
+                <a:spcPts val="1200"/>
+              </a:spcBef>
+              <a:spcAft>
+                <a:spcPts val="0"/>
+              </a:spcAft>
+              <a:buNone/>
+            </a:pPr>
+            <a:r>
+              <a:rPr lang="en-GB"/>
+              <a:t>SQL and H2 for databases for live and testing periods</a:t>
+            </a:r>
+            <a:endParaRPr/>
+          </a:p>
+          <a:p>
+            <a:pPr indent="0" lvl="0" marL="0" rtl="0" algn="l">
+              <a:spcBef>
+                <a:spcPts val="1200"/>
+              </a:spcBef>
+              <a:spcAft>
+                <a:spcPts val="0"/>
+              </a:spcAft>
+              <a:buNone/>
+            </a:pPr>
+            <a:r>
+              <a:rPr lang="en-GB"/>
+              <a:t>HTML, JS, CSS (from an external library - BootStrap) for frontend, functionality, styling</a:t>
+            </a:r>
+            <a:endParaRPr/>
+          </a:p>
+          <a:p>
+            <a:pPr indent="0" lvl="0" marL="0" rtl="0" algn="l">
+              <a:spcBef>
+                <a:spcPts val="1200"/>
+              </a:spcBef>
+              <a:spcAft>
+                <a:spcPts val="1200"/>
+              </a:spcAft>
+              <a:buNone/>
+            </a:pPr>
+            <a:r>
+              <a:rPr lang="en-GB"/>
+              <a:t>JUnit for testing</a:t>
             </a:r>
             <a:endParaRPr/>
           </a:p>
@@ -7034,7 +7128,7 @@
             </a:pPr>
             <a:r>
               <a:rPr lang="en-GB"/>
-              <a:t>Coverage and Testing</a:t>
+              <a:t>Functionality</a:t>
             </a:r>
             <a:endParaRPr/>
           </a:p>
@@ -7059,6 +7153,111 @@
         </p:spPr>
         <p:txBody>
           <a:bodyPr anchorCtr="0" anchor="t" bIns="91425" lIns="91425" spcFirstLastPara="1" rIns="91425" wrap="square" tIns="91425">
+            <a:normAutofit/>
+          </a:bodyPr>
+          <a:lstStyle/>
+          <a:p>
+            <a:pPr indent="0" lvl="0" marL="0" rtl="0" algn="l">
+              <a:spcBef>
+                <a:spcPts val="0"/>
+              </a:spcBef>
+              <a:spcAft>
+                <a:spcPts val="1200"/>
+              </a:spcAft>
+              <a:buNone/>
+            </a:pPr>
+            <a:r>
+              <a:rPr lang="en-GB"/>
+              <a:t>I will now perform a quick demonstration of the code in action (can be found at: https://github.com/D-Pats/QA-Hobby-Project)</a:t>
+            </a:r>
+            <a:endParaRPr/>
+          </a:p>
+        </p:txBody>
+      </p:sp>
+    </p:spTree>
+  </p:cSld>
+  <p:clrMapOvr>
+    <a:masterClrMapping/>
+  </p:clrMapOvr>
+</p:sld>
+</file>
+
+<file path=ppt/slides/slide7.xml><?xml version="1.0" encoding="utf-8"?>
+<p:sld xmlns:a="http://schemas.openxmlformats.org/drawingml/2006/main" xmlns:r="http://schemas.openxmlformats.org/officeDocument/2006/relationships" xmlns:mc="http://schemas.openxmlformats.org/markup-compatibility/2006" xmlns:mv="urn:schemas-microsoft-com:mac:vml" xmlns:p="http://schemas.openxmlformats.org/presentationml/2006/main" xmlns:c="http://schemas.openxmlformats.org/drawingml/2006/chart" xmlns:dgm="http://schemas.openxmlformats.org/drawingml/2006/diagram" xmlns:o="urn:schemas-microsoft-com:office:office" xmlns:v="urn:schemas-microsoft-com:vml" xmlns:pvml="urn:schemas-microsoft-com:office:powerpoint" xmlns:com="http://schemas.openxmlformats.org/drawingml/2006/compatibility" xmlns:p14="http://schemas.microsoft.com/office/powerpoint/2010/main" xmlns:p15="http://schemas.microsoft.com/office/powerpoint/2012/main" xmlns:ahyp="http://schemas.microsoft.com/office/drawing/2018/hyperlinkcolor">
+  <p:cSld>
+    <p:spTree>
+      <p:nvGrpSpPr>
+        <p:cNvPr id="89" name="Shape 89"/>
+        <p:cNvGrpSpPr/>
+        <p:nvPr/>
+      </p:nvGrpSpPr>
+      <p:grpSpPr>
+        <a:xfrm>
+          <a:off x="0" y="0"/>
+          <a:ext cx="0" cy="0"/>
+          <a:chOff x="0" y="0"/>
+          <a:chExt cx="0" cy="0"/>
+        </a:xfrm>
+      </p:grpSpPr>
+      <p:sp>
+        <p:nvSpPr>
+          <p:cNvPr id="90" name="Google Shape;90;p19"/>
+          <p:cNvSpPr txBox="1"/>
+          <p:nvPr>
+            <p:ph type="title"/>
+          </p:nvPr>
+        </p:nvSpPr>
+        <p:spPr>
+          <a:xfrm>
+            <a:off x="311700" y="445025"/>
+            <a:ext cx="8520600" cy="572700"/>
+          </a:xfrm>
+          <a:prstGeom prst="rect">
+            <a:avLst/>
+          </a:prstGeom>
+        </p:spPr>
+        <p:txBody>
+          <a:bodyPr anchorCtr="0" anchor="t" bIns="91425" lIns="91425" spcFirstLastPara="1" rIns="91425" wrap="square" tIns="91425">
+            <a:normAutofit fontScale="90000"/>
+          </a:bodyPr>
+          <a:lstStyle/>
+          <a:p>
+            <a:pPr indent="0" lvl="0" marL="0" rtl="0" algn="l">
+              <a:spcBef>
+                <a:spcPts val="0"/>
+              </a:spcBef>
+              <a:spcAft>
+                <a:spcPts val="0"/>
+              </a:spcAft>
+              <a:buNone/>
+            </a:pPr>
+            <a:r>
+              <a:rPr lang="en-GB"/>
+              <a:t>Coverage and Testing</a:t>
+            </a:r>
+            <a:endParaRPr/>
+          </a:p>
+        </p:txBody>
+      </p:sp>
+      <p:sp>
+        <p:nvSpPr>
+          <p:cNvPr id="91" name="Google Shape;91;p19"/>
+          <p:cNvSpPr txBox="1"/>
+          <p:nvPr>
+            <p:ph idx="1" type="body"/>
+          </p:nvPr>
+        </p:nvSpPr>
+        <p:spPr>
+          <a:xfrm>
+            <a:off x="311700" y="1152475"/>
+            <a:ext cx="8520600" cy="3416400"/>
+          </a:xfrm>
+          <a:prstGeom prst="rect">
+            <a:avLst/>
+          </a:prstGeom>
+        </p:spPr>
+        <p:txBody>
+          <a:bodyPr anchorCtr="0" anchor="t" bIns="91425" lIns="91425" spcFirstLastPara="1" rIns="91425" wrap="square" tIns="91425">
             <a:normAutofit lnSpcReduction="10000"/>
           </a:bodyPr>
           <a:lstStyle/>
@@ -7166,7 +7365,7 @@
       </p:sp>
       <p:pic>
         <p:nvPicPr>
-          <p:cNvPr id="86" name="Google Shape;86;p18"/>
+          <p:cNvPr id="92" name="Google Shape;92;p19"/>
           <p:cNvPicPr preferRelativeResize="0"/>
           <p:nvPr/>
         </p:nvPicPr>
@@ -7194,7 +7393,7 @@
       </p:pic>
       <p:pic>
         <p:nvPicPr>
-          <p:cNvPr id="87" name="Google Shape;87;p18"/>
+          <p:cNvPr id="93" name="Google Shape;93;p19"/>
           <p:cNvPicPr preferRelativeResize="0"/>
           <p:nvPr/>
         </p:nvPicPr>
@@ -7228,12 +7427,12 @@
 </p:sld>
 </file>
 
-<file path=ppt/slides/slide7.xml><?xml version="1.0" encoding="utf-8"?>
+<file path=ppt/slides/slide8.xml><?xml version="1.0" encoding="utf-8"?>
 <p:sld xmlns:a="http://schemas.openxmlformats.org/drawingml/2006/main" xmlns:r="http://schemas.openxmlformats.org/officeDocument/2006/relationships" xmlns:mc="http://schemas.openxmlformats.org/markup-compatibility/2006" xmlns:mv="urn:schemas-microsoft-com:mac:vml" xmlns:p="http://schemas.openxmlformats.org/presentationml/2006/main" xmlns:c="http://schemas.openxmlformats.org/drawingml/2006/chart" xmlns:dgm="http://schemas.openxmlformats.org/drawingml/2006/diagram" xmlns:o="urn:schemas-microsoft-com:office:office" xmlns:v="urn:schemas-microsoft-com:vml" xmlns:pvml="urn:schemas-microsoft-com:office:powerpoint" xmlns:com="http://schemas.openxmlformats.org/drawingml/2006/compatibility" xmlns:p14="http://schemas.microsoft.com/office/powerpoint/2010/main" xmlns:p15="http://schemas.microsoft.com/office/powerpoint/2012/main" xmlns:ahyp="http://schemas.microsoft.com/office/drawing/2018/hyperlinkcolor">
   <p:cSld>
     <p:spTree>
       <p:nvGrpSpPr>
-        <p:cNvPr id="91" name="Shape 91"/>
+        <p:cNvPr id="97" name="Shape 97"/>
         <p:cNvGrpSpPr/>
         <p:nvPr/>
       </p:nvGrpSpPr>
@@ -7247,7 +7446,7 @@
       </p:grpSpPr>
       <p:sp>
         <p:nvSpPr>
-          <p:cNvPr id="92" name="Google Shape;92;p19"/>
+          <p:cNvPr id="98" name="Google Shape;98;p20"/>
           <p:cNvSpPr txBox="1"/>
           <p:nvPr>
             <p:ph type="title"/>
@@ -7279,7 +7478,7 @@
             </a:pPr>
             <a:r>
               <a:rPr lang="en-GB"/>
-              <a:t>Reflection</a:t>
+              <a:t>Documentation and Sprint Review</a:t>
             </a:r>
             <a:endParaRPr/>
           </a:p>
@@ -7287,7 +7486,242 @@
       </p:sp>
       <p:sp>
         <p:nvSpPr>
-          <p:cNvPr id="93" name="Google Shape;93;p19"/>
+          <p:cNvPr id="99" name="Google Shape;99;p20"/>
+          <p:cNvSpPr txBox="1"/>
+          <p:nvPr>
+            <p:ph idx="1" type="body"/>
+          </p:nvPr>
+        </p:nvSpPr>
+        <p:spPr>
+          <a:xfrm>
+            <a:off x="311700" y="1152475"/>
+            <a:ext cx="8520600" cy="3416400"/>
+          </a:xfrm>
+          <a:prstGeom prst="rect">
+            <a:avLst/>
+          </a:prstGeom>
+        </p:spPr>
+        <p:txBody>
+          <a:bodyPr anchorCtr="0" anchor="t" bIns="91425" lIns="91425" spcFirstLastPara="1" rIns="91425" wrap="square" tIns="91425">
+            <a:normAutofit lnSpcReduction="20000"/>
+          </a:bodyPr>
+          <a:lstStyle/>
+          <a:p>
+            <a:pPr indent="0" lvl="0" marL="0" rtl="0" algn="l">
+              <a:spcBef>
+                <a:spcPts val="0"/>
+              </a:spcBef>
+              <a:spcAft>
+                <a:spcPts val="0"/>
+              </a:spcAft>
+              <a:buNone/>
+            </a:pPr>
+            <a:r>
+              <a:rPr lang="en-GB"/>
+              <a:t>Documents can be found that include </a:t>
+            </a:r>
+            <a:endParaRPr/>
+          </a:p>
+          <a:p>
+            <a:pPr indent="-342900" lvl="0" marL="457200" rtl="0" algn="l">
+              <a:spcBef>
+                <a:spcPts val="1200"/>
+              </a:spcBef>
+              <a:spcAft>
+                <a:spcPts val="0"/>
+              </a:spcAft>
+              <a:buSzPts val="1800"/>
+              <a:buChar char="●"/>
+            </a:pPr>
+            <a:r>
+              <a:rPr lang="en-GB"/>
+              <a:t>MoSCow</a:t>
+            </a:r>
+            <a:endParaRPr/>
+          </a:p>
+          <a:p>
+            <a:pPr indent="-342900" lvl="0" marL="457200" rtl="0" algn="l">
+              <a:spcBef>
+                <a:spcPts val="0"/>
+              </a:spcBef>
+              <a:spcAft>
+                <a:spcPts val="0"/>
+              </a:spcAft>
+              <a:buSzPts val="1800"/>
+              <a:buChar char="●"/>
+            </a:pPr>
+            <a:r>
+              <a:rPr lang="en-GB"/>
+              <a:t>Risk Assessment</a:t>
+            </a:r>
+            <a:endParaRPr/>
+          </a:p>
+          <a:p>
+            <a:pPr indent="-342900" lvl="0" marL="457200" rtl="0" algn="l">
+              <a:spcBef>
+                <a:spcPts val="0"/>
+              </a:spcBef>
+              <a:spcAft>
+                <a:spcPts val="0"/>
+              </a:spcAft>
+              <a:buSzPts val="1800"/>
+              <a:buChar char="●"/>
+            </a:pPr>
+            <a:r>
+              <a:rPr lang="en-GB"/>
+              <a:t>ERD</a:t>
+            </a:r>
+            <a:endParaRPr/>
+          </a:p>
+          <a:p>
+            <a:pPr indent="-342900" lvl="0" marL="457200" rtl="0" algn="l">
+              <a:spcBef>
+                <a:spcPts val="0"/>
+              </a:spcBef>
+              <a:spcAft>
+                <a:spcPts val="0"/>
+              </a:spcAft>
+              <a:buSzPts val="1800"/>
+              <a:buChar char="●"/>
+            </a:pPr>
+            <a:r>
+              <a:rPr lang="en-GB"/>
+              <a:t>UML</a:t>
+            </a:r>
+            <a:endParaRPr/>
+          </a:p>
+          <a:p>
+            <a:pPr indent="0" lvl="0" marL="0" rtl="0" algn="l">
+              <a:spcBef>
+                <a:spcPts val="1200"/>
+              </a:spcBef>
+              <a:spcAft>
+                <a:spcPts val="0"/>
+              </a:spcAft>
+              <a:buNone/>
+            </a:pPr>
+            <a:r>
+              <a:t/>
+            </a:r>
+            <a:endParaRPr/>
+          </a:p>
+          <a:p>
+            <a:pPr indent="0" lvl="0" marL="0" rtl="0" algn="l">
+              <a:spcBef>
+                <a:spcPts val="1200"/>
+              </a:spcBef>
+              <a:spcAft>
+                <a:spcPts val="0"/>
+              </a:spcAft>
+              <a:buNone/>
+            </a:pPr>
+            <a:r>
+              <a:rPr lang="en-GB"/>
+              <a:t>Jira Kanban board or User stories and workflow management.</a:t>
+            </a:r>
+            <a:endParaRPr/>
+          </a:p>
+          <a:p>
+            <a:pPr indent="0" lvl="0" marL="0" rtl="0" algn="l">
+              <a:spcBef>
+                <a:spcPts val="1200"/>
+              </a:spcBef>
+              <a:spcAft>
+                <a:spcPts val="0"/>
+              </a:spcAft>
+              <a:buNone/>
+            </a:pPr>
+            <a:r>
+              <a:rPr lang="en-GB"/>
+              <a:t>https://devinpatel.atlassian.net/jira/software/projects/QHP/boards/4</a:t>
+            </a:r>
+            <a:endParaRPr/>
+          </a:p>
+          <a:p>
+            <a:pPr indent="0" lvl="0" marL="0" rtl="0" algn="l">
+              <a:spcBef>
+                <a:spcPts val="1200"/>
+              </a:spcBef>
+              <a:spcAft>
+                <a:spcPts val="1200"/>
+              </a:spcAft>
+              <a:buNone/>
+            </a:pPr>
+            <a:r>
+              <a:t/>
+            </a:r>
+            <a:endParaRPr/>
+          </a:p>
+        </p:txBody>
+      </p:sp>
+    </p:spTree>
+  </p:cSld>
+  <p:clrMapOvr>
+    <a:masterClrMapping/>
+  </p:clrMapOvr>
+</p:sld>
+</file>
+
+<file path=ppt/slides/slide9.xml><?xml version="1.0" encoding="utf-8"?>
+<p:sld xmlns:a="http://schemas.openxmlformats.org/drawingml/2006/main" xmlns:r="http://schemas.openxmlformats.org/officeDocument/2006/relationships" xmlns:mc="http://schemas.openxmlformats.org/markup-compatibility/2006" xmlns:mv="urn:schemas-microsoft-com:mac:vml" xmlns:p="http://schemas.openxmlformats.org/presentationml/2006/main" xmlns:c="http://schemas.openxmlformats.org/drawingml/2006/chart" xmlns:dgm="http://schemas.openxmlformats.org/drawingml/2006/diagram" xmlns:o="urn:schemas-microsoft-com:office:office" xmlns:v="urn:schemas-microsoft-com:vml" xmlns:pvml="urn:schemas-microsoft-com:office:powerpoint" xmlns:com="http://schemas.openxmlformats.org/drawingml/2006/compatibility" xmlns:p14="http://schemas.microsoft.com/office/powerpoint/2010/main" xmlns:p15="http://schemas.microsoft.com/office/powerpoint/2012/main" xmlns:ahyp="http://schemas.microsoft.com/office/drawing/2018/hyperlinkcolor">
+  <p:cSld>
+    <p:spTree>
+      <p:nvGrpSpPr>
+        <p:cNvPr id="103" name="Shape 103"/>
+        <p:cNvGrpSpPr/>
+        <p:nvPr/>
+      </p:nvGrpSpPr>
+      <p:grpSpPr>
+        <a:xfrm>
+          <a:off x="0" y="0"/>
+          <a:ext cx="0" cy="0"/>
+          <a:chOff x="0" y="0"/>
+          <a:chExt cx="0" cy="0"/>
+        </a:xfrm>
+      </p:grpSpPr>
+      <p:sp>
+        <p:nvSpPr>
+          <p:cNvPr id="104" name="Google Shape;104;p21"/>
+          <p:cNvSpPr txBox="1"/>
+          <p:nvPr>
+            <p:ph type="title"/>
+          </p:nvPr>
+        </p:nvSpPr>
+        <p:spPr>
+          <a:xfrm>
+            <a:off x="311700" y="445025"/>
+            <a:ext cx="8520600" cy="572700"/>
+          </a:xfrm>
+          <a:prstGeom prst="rect">
+            <a:avLst/>
+          </a:prstGeom>
+        </p:spPr>
+        <p:txBody>
+          <a:bodyPr anchorCtr="0" anchor="t" bIns="91425" lIns="91425" spcFirstLastPara="1" rIns="91425" wrap="square" tIns="91425">
+            <a:normAutofit fontScale="90000"/>
+          </a:bodyPr>
+          <a:lstStyle/>
+          <a:p>
+            <a:pPr indent="0" lvl="0" marL="0" rtl="0" algn="l">
+              <a:spcBef>
+                <a:spcPts val="0"/>
+              </a:spcBef>
+              <a:spcAft>
+                <a:spcPts val="0"/>
+              </a:spcAft>
+              <a:buNone/>
+            </a:pPr>
+            <a:r>
+              <a:rPr lang="en-GB"/>
+              <a:t>Sprint Retrospective</a:t>
+            </a:r>
+            <a:endParaRPr/>
+          </a:p>
+        </p:txBody>
+      </p:sp>
+      <p:sp>
+        <p:nvSpPr>
+          <p:cNvPr id="105" name="Google Shape;105;p21"/>
           <p:cNvSpPr txBox="1"/>
           <p:nvPr>
             <p:ph idx="1" type="body"/>
@@ -7318,8 +7752,32 @@
               <a:buNone/>
             </a:pPr>
             <a:r>
+              <a:rPr b="1" lang="en-GB"/>
+              <a:t>What went well</a:t>
+            </a:r>
+            <a:endParaRPr b="1"/>
+          </a:p>
+          <a:p>
+            <a:pPr indent="0" lvl="0" marL="0" rtl="0" algn="l">
+              <a:spcBef>
+                <a:spcPts val="1200"/>
+              </a:spcBef>
+              <a:spcAft>
+                <a:spcPts val="0"/>
+              </a:spcAft>
+              <a:buNone/>
+            </a:pPr>
+            <a:r>
               <a:rPr lang="en-GB"/>
-              <a:t>Upon reflection I could have learnt SonarQube for smells and included in my work, I could have also completed mockito testing however I was not able to do so.</a:t>
+              <a:t>Working frontend and backend with full CRUD functionality and </a:t>
+            </a:r>
+            <a:r>
+              <a:rPr lang="en-GB"/>
+              <a:t>additional</a:t>
+            </a:r>
+            <a:r>
+              <a:rPr lang="en-GB"/>
+              <a:t> search by team name feature</a:t>
             </a:r>
             <a:endParaRPr/>
           </a:p>
@@ -7349,10 +7807,10 @@
               <a:buNone/>
             </a:pPr>
             <a:r>
-              <a:rPr lang="en-GB"/>
-              <a:t>I am happy with full CRUD and the additional feature of searching by team name.</a:t>
+              <a:rPr b="1" lang="en-GB"/>
+              <a:t>What could have been better</a:t>
             </a:r>
-            <a:endParaRPr/>
+            <a:endParaRPr b="1"/>
           </a:p>
           <a:p>
             <a:pPr indent="0" lvl="0" marL="0" rtl="0" algn="l">
@@ -7366,7 +7824,7 @@
             </a:pPr>
             <a:r>
               <a:rPr lang="en-GB"/>
-              <a:t>I believe I have improved on my previous project and also correctly done my user stories/Jira workflow board.</a:t>
+              <a:t>Upon reflection I could have learnt SonarQube for smells and included in my work, I could have also completed mockito testing however I was not able to do so.</a:t>
             </a:r>
             <a:endParaRPr/>
           </a:p>
